--- a/NBA.pptx
+++ b/NBA.pptx
@@ -1156,7 +1156,7 @@
           <a:p>
             <a:fld id="{9AB3A824-1A51-4B26-AD58-A6D8E14F6C04}" type="datetimeFigureOut">
               <a:rPr lang="en-US" dirty="0"/>
-              <a:t>1/30/2022</a:t>
+              <a:t>7/29/2022</a:t>
             </a:fld>
             <a:endParaRPr lang="en-US" dirty="0"/>
           </a:p>
@@ -1490,7 +1490,7 @@
           <a:p>
             <a:fld id="{D857E33E-8B18-4087-B112-809917729534}" type="datetimeFigureOut">
               <a:rPr lang="en-US" dirty="0"/>
-              <a:t>1/30/2022</a:t>
+              <a:t>7/29/2022</a:t>
             </a:fld>
             <a:endParaRPr lang="en-US" dirty="0"/>
           </a:p>
@@ -1792,7 +1792,7 @@
           <a:p>
             <a:fld id="{D3FFE419-2371-464F-8239-3959401C3561}" type="datetimeFigureOut">
               <a:rPr lang="en-US" dirty="0"/>
-              <a:t>1/30/2022</a:t>
+              <a:t>7/29/2022</a:t>
             </a:fld>
             <a:endParaRPr lang="en-US" dirty="0"/>
           </a:p>
@@ -2039,7 +2039,7 @@
           <a:p>
             <a:fld id="{97D162C4-EDD9-4389-A98B-B87ECEA2A816}" type="datetimeFigureOut">
               <a:rPr lang="en-US" dirty="0"/>
-              <a:t>1/30/2022</a:t>
+              <a:t>7/29/2022</a:t>
             </a:fld>
             <a:endParaRPr lang="en-US" dirty="0"/>
           </a:p>
@@ -2446,7 +2446,7 @@
           <a:p>
             <a:fld id="{3E5059C3-6A89-4494-99FF-5A4D6FFD50EB}" type="datetimeFigureOut">
               <a:rPr lang="en-US" dirty="0"/>
-              <a:t>1/30/2022</a:t>
+              <a:t>7/29/2022</a:t>
             </a:fld>
             <a:endParaRPr lang="en-US" dirty="0"/>
           </a:p>
@@ -2760,7 +2760,7 @@
           <a:p>
             <a:fld id="{CA954B2F-12DE-47F5-8894-472B206D2E1E}" type="datetimeFigureOut">
               <a:rPr lang="en-US" dirty="0"/>
-              <a:t>1/30/2022</a:t>
+              <a:t>7/29/2022</a:t>
             </a:fld>
             <a:endParaRPr lang="en-US" dirty="0"/>
           </a:p>
@@ -3304,7 +3304,7 @@
           <a:p>
             <a:fld id="{3F30E46F-7819-4ACF-B48B-48222C2ACC88}" type="datetimeFigureOut">
               <a:rPr lang="en-US" dirty="0"/>
-              <a:t>1/30/2022</a:t>
+              <a:t>7/29/2022</a:t>
             </a:fld>
             <a:endParaRPr lang="en-US" dirty="0"/>
           </a:p>
@@ -3499,7 +3499,7 @@
           <a:p>
             <a:fld id="{1FAF3416-4057-4DAA-829D-4CA07428D088}" type="datetimeFigureOut">
               <a:rPr lang="en-US" dirty="0"/>
-              <a:t>1/30/2022</a:t>
+              <a:t>7/29/2022</a:t>
             </a:fld>
             <a:endParaRPr lang="en-US" dirty="0"/>
           </a:p>
@@ -3712,7 +3712,7 @@
           <a:p>
             <a:fld id="{921D9284-D300-4297-87F7-E791DCC15DB1}" type="datetimeFigureOut">
               <a:rPr lang="en-US" dirty="0"/>
-              <a:t>1/30/2022</a:t>
+              <a:t>7/29/2022</a:t>
             </a:fld>
             <a:endParaRPr lang="en-US" dirty="0"/>
           </a:p>
@@ -4081,7 +4081,7 @@
           <a:p>
             <a:fld id="{37D525BB-DA17-4BA0-B3C8-3AC3ABC827E6}" type="datetimeFigureOut">
               <a:rPr lang="en-US" dirty="0"/>
-              <a:t>1/30/2022</a:t>
+              <a:t>7/29/2022</a:t>
             </a:fld>
             <a:endParaRPr lang="en-US" dirty="0"/>
           </a:p>
@@ -4484,7 +4484,7 @@
           <a:p>
             <a:fld id="{B16C4C9A-3960-41CF-A4E9-2A8FB932454B}" type="datetimeFigureOut">
               <a:rPr lang="en-US" dirty="0"/>
-              <a:t>1/30/2022</a:t>
+              <a:t>7/29/2022</a:t>
             </a:fld>
             <a:endParaRPr lang="en-US" dirty="0"/>
           </a:p>
@@ -4795,7 +4795,7 @@
           <a:p>
             <a:fld id="{3CBC1C18-307B-4F68-A007-B5B542270E8D}" type="datetimeFigureOut">
               <a:rPr lang="en-US" dirty="0"/>
-              <a:t>1/30/2022</a:t>
+              <a:t>7/29/2022</a:t>
             </a:fld>
             <a:endParaRPr lang="en-US" dirty="0"/>
           </a:p>
@@ -5453,8 +5453,8 @@
         </p:nvSpPr>
         <p:spPr>
           <a:xfrm>
-            <a:off x="2809301" y="3349128"/>
-            <a:ext cx="5636947" cy="1200329"/>
+            <a:off x="2809301" y="3194305"/>
+            <a:ext cx="5636947" cy="923330"/>
           </a:xfrm>
           <a:prstGeom prst="rect">
             <a:avLst/>
@@ -5477,21 +5477,14 @@
             <a:pPr algn="r"/>
             <a:r>
               <a:rPr lang="he-IL" dirty="0"/>
-              <a:t>עופר קרפ – תז.209370030</a:t>
+              <a:t>עופר קרפ</a:t>
             </a:r>
           </a:p>
           <a:p>
             <a:pPr algn="r"/>
             <a:r>
               <a:rPr lang="he-IL" dirty="0"/>
-              <a:t>יותם שוורץ- תז.204078091 </a:t>
-            </a:r>
-          </a:p>
-          <a:p>
-            <a:pPr algn="r"/>
-            <a:r>
-              <a:rPr lang="he-IL" dirty="0"/>
-              <a:t> </a:t>
+              <a:t>יותם שוורץ</a:t>
             </a:r>
           </a:p>
         </p:txBody>
